--- a/docs/assets/fractals/squares/forest.pptx
+++ b/docs/assets/fractals/squares/forest.pptx
@@ -243,7 +243,7 @@
           <a:p>
             <a:fld id="{21D7086C-0C4C-3449-91FA-3D214E3305F6}" type="datetimeFigureOut">
               <a:rPr lang="en-GB" smtClean="0"/>
-              <a:t>18/08/2024</a:t>
+              <a:t>29/08/2024</a:t>
             </a:fld>
             <a:endParaRPr lang="en-GB"/>
           </a:p>
@@ -413,7 +413,7 @@
           <a:p>
             <a:fld id="{21D7086C-0C4C-3449-91FA-3D214E3305F6}" type="datetimeFigureOut">
               <a:rPr lang="en-GB" smtClean="0"/>
-              <a:t>18/08/2024</a:t>
+              <a:t>29/08/2024</a:t>
             </a:fld>
             <a:endParaRPr lang="en-GB"/>
           </a:p>
@@ -593,7 +593,7 @@
           <a:p>
             <a:fld id="{21D7086C-0C4C-3449-91FA-3D214E3305F6}" type="datetimeFigureOut">
               <a:rPr lang="en-GB" smtClean="0"/>
-              <a:t>18/08/2024</a:t>
+              <a:t>29/08/2024</a:t>
             </a:fld>
             <a:endParaRPr lang="en-GB"/>
           </a:p>
@@ -763,7 +763,7 @@
           <a:p>
             <a:fld id="{21D7086C-0C4C-3449-91FA-3D214E3305F6}" type="datetimeFigureOut">
               <a:rPr lang="en-GB" smtClean="0"/>
-              <a:t>18/08/2024</a:t>
+              <a:t>29/08/2024</a:t>
             </a:fld>
             <a:endParaRPr lang="en-GB"/>
           </a:p>
@@ -1007,7 +1007,7 @@
           <a:p>
             <a:fld id="{21D7086C-0C4C-3449-91FA-3D214E3305F6}" type="datetimeFigureOut">
               <a:rPr lang="en-GB" smtClean="0"/>
-              <a:t>18/08/2024</a:t>
+              <a:t>29/08/2024</a:t>
             </a:fld>
             <a:endParaRPr lang="en-GB"/>
           </a:p>
@@ -1239,7 +1239,7 @@
           <a:p>
             <a:fld id="{21D7086C-0C4C-3449-91FA-3D214E3305F6}" type="datetimeFigureOut">
               <a:rPr lang="en-GB" smtClean="0"/>
-              <a:t>18/08/2024</a:t>
+              <a:t>29/08/2024</a:t>
             </a:fld>
             <a:endParaRPr lang="en-GB"/>
           </a:p>
@@ -1606,7 +1606,7 @@
           <a:p>
             <a:fld id="{21D7086C-0C4C-3449-91FA-3D214E3305F6}" type="datetimeFigureOut">
               <a:rPr lang="en-GB" smtClean="0"/>
-              <a:t>18/08/2024</a:t>
+              <a:t>29/08/2024</a:t>
             </a:fld>
             <a:endParaRPr lang="en-GB"/>
           </a:p>
@@ -1724,7 +1724,7 @@
           <a:p>
             <a:fld id="{21D7086C-0C4C-3449-91FA-3D214E3305F6}" type="datetimeFigureOut">
               <a:rPr lang="en-GB" smtClean="0"/>
-              <a:t>18/08/2024</a:t>
+              <a:t>29/08/2024</a:t>
             </a:fld>
             <a:endParaRPr lang="en-GB"/>
           </a:p>
@@ -1819,7 +1819,7 @@
           <a:p>
             <a:fld id="{21D7086C-0C4C-3449-91FA-3D214E3305F6}" type="datetimeFigureOut">
               <a:rPr lang="en-GB" smtClean="0"/>
-              <a:t>18/08/2024</a:t>
+              <a:t>29/08/2024</a:t>
             </a:fld>
             <a:endParaRPr lang="en-GB"/>
           </a:p>
@@ -2096,7 +2096,7 @@
           <a:p>
             <a:fld id="{21D7086C-0C4C-3449-91FA-3D214E3305F6}" type="datetimeFigureOut">
               <a:rPr lang="en-GB" smtClean="0"/>
-              <a:t>18/08/2024</a:t>
+              <a:t>29/08/2024</a:t>
             </a:fld>
             <a:endParaRPr lang="en-GB"/>
           </a:p>
@@ -2353,7 +2353,7 @@
           <a:p>
             <a:fld id="{21D7086C-0C4C-3449-91FA-3D214E3305F6}" type="datetimeFigureOut">
               <a:rPr lang="en-GB" smtClean="0"/>
-              <a:t>18/08/2024</a:t>
+              <a:t>29/08/2024</a:t>
             </a:fld>
             <a:endParaRPr lang="en-GB"/>
           </a:p>
@@ -2566,7 +2566,7 @@
           <a:p>
             <a:fld id="{21D7086C-0C4C-3449-91FA-3D214E3305F6}" type="datetimeFigureOut">
               <a:rPr lang="en-GB" smtClean="0"/>
-              <a:t>18/08/2024</a:t>
+              <a:t>29/08/2024</a:t>
             </a:fld>
             <a:endParaRPr lang="en-GB"/>
           </a:p>
@@ -2971,6 +2971,61 @@
           <a:chExt cx="0" cy="0"/>
         </a:xfrm>
       </p:grpSpPr>
+      <p:sp>
+        <p:nvSpPr>
+          <p:cNvPr id="2" name="Oval 1">
+            <a:extLst>
+              <a:ext uri="{FF2B5EF4-FFF2-40B4-BE49-F238E27FC236}">
+                <a16:creationId xmlns:a16="http://schemas.microsoft.com/office/drawing/2014/main" id="{81D243B7-B7EB-D23E-DF9A-7E76070D2D13}"/>
+              </a:ext>
+            </a:extLst>
+          </p:cNvPr>
+          <p:cNvSpPr/>
+          <p:nvPr/>
+        </p:nvSpPr>
+        <p:spPr>
+          <a:xfrm>
+            <a:off x="0" y="0"/>
+            <a:ext cx="6480175" cy="6483600"/>
+          </a:xfrm>
+          <a:prstGeom prst="ellipse">
+            <a:avLst/>
+          </a:prstGeom>
+          <a:solidFill>
+            <a:schemeClr val="accent6">
+              <a:lumMod val="75000"/>
+              <a:alpha val="5000"/>
+            </a:schemeClr>
+          </a:solidFill>
+          <a:ln>
+            <a:noFill/>
+          </a:ln>
+        </p:spPr>
+        <p:style>
+          <a:lnRef idx="2">
+            <a:schemeClr val="accent1">
+              <a:shade val="50000"/>
+            </a:schemeClr>
+          </a:lnRef>
+          <a:fillRef idx="1">
+            <a:schemeClr val="accent1"/>
+          </a:fillRef>
+          <a:effectRef idx="0">
+            <a:schemeClr val="accent1"/>
+          </a:effectRef>
+          <a:fontRef idx="minor">
+            <a:schemeClr val="lt1"/>
+          </a:fontRef>
+        </p:style>
+        <p:txBody>
+          <a:bodyPr rtlCol="0" anchor="ctr"/>
+          <a:lstStyle/>
+          <a:p>
+            <a:pPr algn="ctr"/>
+            <a:endParaRPr lang="en-GB"/>
+          </a:p>
+        </p:txBody>
+      </p:sp>
       <mc:AlternateContent xmlns:mc="http://schemas.openxmlformats.org/markup-compatibility/2006">
         <mc:Choice xmlns:pslz="http://schemas.microsoft.com/office/powerpoint/2016/slidezoom" Requires="pslz">
           <p:graphicFrame>
@@ -2988,7 +3043,7 @@
               <p:nvPr>
                 <p:extLst>
                   <p:ext uri="{D42A27DB-BD31-4B8C-83A1-F6EECF244321}">
-                    <p14:modId xmlns:p14="http://schemas.microsoft.com/office/powerpoint/2010/main" val="971236854"/>
+                    <p14:modId xmlns:p14="http://schemas.microsoft.com/office/powerpoint/2010/main" val="2430831793"/>
                   </p:ext>
                 </p:extLst>
               </p:nvPr>
@@ -3068,8 +3123,8 @@
           </p:pic>
         </mc:Fallback>
       </mc:AlternateContent>
-      <mc:AlternateContent xmlns:mc="http://schemas.openxmlformats.org/markup-compatibility/2006" xmlns:pslz="http://schemas.microsoft.com/office/powerpoint/2016/slidezoom">
-        <mc:Choice Requires="pslz">
+      <mc:AlternateContent xmlns:mc="http://schemas.openxmlformats.org/markup-compatibility/2006">
+        <mc:Choice xmlns:pslz="http://schemas.microsoft.com/office/powerpoint/2016/slidezoom" Requires="pslz">
           <p:graphicFrame>
             <p:nvGraphicFramePr>
               <p:cNvPr id="6" name="Slide Zoom 5">
@@ -3085,7 +3140,7 @@
               <p:nvPr>
                 <p:extLst>
                   <p:ext uri="{D42A27DB-BD31-4B8C-83A1-F6EECF244321}">
-                    <p14:modId xmlns:p14="http://schemas.microsoft.com/office/powerpoint/2010/main" val="3956577683"/>
+                    <p14:modId xmlns:p14="http://schemas.microsoft.com/office/powerpoint/2010/main" val="1663175259"/>
                   </p:ext>
                 </p:extLst>
               </p:nvPr>
@@ -3113,11 +3168,7 @@
                         <a:prstGeom prst="rect">
                           <a:avLst/>
                         </a:prstGeom>
-                        <a:effectLst>
-                          <a:glow>
-                            <a:schemeClr val="tx1"/>
-                          </a:glow>
-                        </a:effectLst>
+                        <a:effectLst/>
                       </p166:spPr>
                     </pslz:zmPr>
                   </pslz:sldZmObj>
@@ -3126,11 +3177,11 @@
             </a:graphic>
           </p:graphicFrame>
         </mc:Choice>
-        <mc:Fallback xmlns="">
+        <mc:Fallback>
           <p:pic>
             <p:nvPicPr>
               <p:cNvPr id="6" name="Slide Zoom 5">
-                <a:hlinkClick r:id="rId5" action="ppaction://hlinksldjump"/>
+                <a:hlinkClick r:id="rId3" action="ppaction://hlinksldjump"/>
                 <a:extLst>
                   <a:ext uri="{FF2B5EF4-FFF2-40B4-BE49-F238E27FC236}">
                     <a16:creationId xmlns:a16="http://schemas.microsoft.com/office/drawing/2014/main" id="{C3AC5F2C-C952-198C-5E6C-425D147D0F93}"/>
@@ -3143,7 +3194,7 @@
               <p:nvPr/>
             </p:nvPicPr>
             <p:blipFill>
-              <a:blip r:embed="rId6"/>
+              <a:blip r:embed="rId4"/>
               <a:stretch>
                 <a:fillRect/>
               </a:stretch>
@@ -3156,11 +3207,7 @@
               <a:prstGeom prst="rect">
                 <a:avLst/>
               </a:prstGeom>
-              <a:effectLst>
-                <a:glow>
-                  <a:schemeClr val="tx1"/>
-                </a:glow>
-              </a:effectLst>
+              <a:effectLst/>
             </p:spPr>
           </p:pic>
         </mc:Fallback>
@@ -3182,7 +3229,7 @@
               <p:nvPr>
                 <p:extLst>
                   <p:ext uri="{D42A27DB-BD31-4B8C-83A1-F6EECF244321}">
-                    <p14:modId xmlns:p14="http://schemas.microsoft.com/office/powerpoint/2010/main" val="2278642536"/>
+                    <p14:modId xmlns:p14="http://schemas.microsoft.com/office/powerpoint/2010/main" val="934237560"/>
                   </p:ext>
                 </p:extLst>
               </p:nvPr>
@@ -3197,7 +3244,7 @@
                   <pslz:sldZmObj sldId="256" cId="2091751467">
                     <pslz:zmPr id="{DFAC8805-4774-5041-9064-8C2B6CC9B5A2}" returnToParent="0" transitionDur="1000" showBg="0">
                       <p166:blipFill xmlns:p166="http://schemas.microsoft.com/office/powerpoint/2016/6/main">
-                        <a:blip r:embed="rId7"/>
+                        <a:blip r:embed="rId5"/>
                         <a:stretch>
                           <a:fillRect/>
                         </a:stretch>
@@ -3227,7 +3274,7 @@
           <p:pic>
             <p:nvPicPr>
               <p:cNvPr id="7" name="Slide Zoom 6">
-                <a:hlinkClick r:id="rId5" action="ppaction://hlinksldjump"/>
+                <a:hlinkClick r:id="rId3" action="ppaction://hlinksldjump"/>
                 <a:extLst>
                   <a:ext uri="{FF2B5EF4-FFF2-40B4-BE49-F238E27FC236}">
                     <a16:creationId xmlns:a16="http://schemas.microsoft.com/office/drawing/2014/main" id="{304FDC7D-4022-C792-3A01-E40830AFD07C}"/>
@@ -3240,7 +3287,7 @@
               <p:nvPr/>
             </p:nvPicPr>
             <p:blipFill>
-              <a:blip r:embed="rId7"/>
+              <a:blip r:embed="rId5"/>
               <a:stretch>
                 <a:fillRect/>
               </a:stretch>
@@ -3279,7 +3326,7 @@
               <p:nvPr>
                 <p:extLst>
                   <p:ext uri="{D42A27DB-BD31-4B8C-83A1-F6EECF244321}">
-                    <p14:modId xmlns:p14="http://schemas.microsoft.com/office/powerpoint/2010/main" val="3318057916"/>
+                    <p14:modId xmlns:p14="http://schemas.microsoft.com/office/powerpoint/2010/main" val="1422510316"/>
                   </p:ext>
                 </p:extLst>
               </p:nvPr>
@@ -3294,7 +3341,7 @@
                   <pslz:sldZmObj sldId="256" cId="2091751467">
                     <pslz:zmPr id="{DFAC8805-4774-5041-9064-8C2B6CC9B5A2}" returnToParent="0" transitionDur="1000" showBg="0">
                       <p166:blipFill xmlns:p166="http://schemas.microsoft.com/office/powerpoint/2016/6/main">
-                        <a:blip r:embed="rId8"/>
+                        <a:blip r:embed="rId6"/>
                         <a:stretch>
                           <a:fillRect/>
                         </a:stretch>
@@ -3337,7 +3384,7 @@
               <p:nvPr/>
             </p:nvPicPr>
             <p:blipFill>
-              <a:blip r:embed="rId8"/>
+              <a:blip r:embed="rId6"/>
               <a:stretch>
                 <a:fillRect/>
               </a:stretch>
@@ -3359,8 +3406,8 @@
           </p:pic>
         </mc:Fallback>
       </mc:AlternateContent>
-      <mc:AlternateContent xmlns:mc="http://schemas.openxmlformats.org/markup-compatibility/2006" xmlns:pslz="http://schemas.microsoft.com/office/powerpoint/2016/slidezoom">
-        <mc:Choice Requires="pslz">
+      <mc:AlternateContent xmlns:mc="http://schemas.openxmlformats.org/markup-compatibility/2006">
+        <mc:Choice xmlns:pslz="http://schemas.microsoft.com/office/powerpoint/2016/slidezoom" Requires="pslz">
           <p:graphicFrame>
             <p:nvGraphicFramePr>
               <p:cNvPr id="11" name="Slide Zoom 10">
@@ -3376,7 +3423,7 @@
               <p:nvPr>
                 <p:extLst>
                   <p:ext uri="{D42A27DB-BD31-4B8C-83A1-F6EECF244321}">
-                    <p14:modId xmlns:p14="http://schemas.microsoft.com/office/powerpoint/2010/main" val="2094700636"/>
+                    <p14:modId xmlns:p14="http://schemas.microsoft.com/office/powerpoint/2010/main" val="117597110"/>
                   </p:ext>
                 </p:extLst>
               </p:nvPr>
@@ -3391,7 +3438,7 @@
                   <pslz:sldZmObj sldId="256" cId="2091751467">
                     <pslz:zmPr id="{DFAC8805-4774-5041-9064-8C2B6CC9B5A2}" returnToParent="0" transitionDur="1000" showBg="0">
                       <p166:blipFill xmlns:p166="http://schemas.microsoft.com/office/powerpoint/2016/6/main">
-                        <a:blip r:embed="rId9"/>
+                        <a:blip r:embed="rId7"/>
                         <a:stretch>
                           <a:fillRect/>
                         </a:stretch>
@@ -3417,11 +3464,11 @@
             </a:graphic>
           </p:graphicFrame>
         </mc:Choice>
-        <mc:Fallback xmlns="">
+        <mc:Fallback>
           <p:pic>
             <p:nvPicPr>
               <p:cNvPr id="11" name="Slide Zoom 10">
-                <a:hlinkClick r:id="rId5" action="ppaction://hlinksldjump"/>
+                <a:hlinkClick r:id="rId3" action="ppaction://hlinksldjump"/>
                 <a:extLst>
                   <a:ext uri="{FF2B5EF4-FFF2-40B4-BE49-F238E27FC236}">
                     <a16:creationId xmlns:a16="http://schemas.microsoft.com/office/drawing/2014/main" id="{66E92FBD-0794-3392-DFB5-EE3731273C5B}"/>
@@ -3434,7 +3481,7 @@
               <p:nvPr/>
             </p:nvPicPr>
             <p:blipFill>
-              <a:blip r:embed="rId10"/>
+              <a:blip r:embed="rId7"/>
               <a:stretch>
                 <a:fillRect/>
               </a:stretch>
